--- a/15_useEffect.pptx
+++ b/15_useEffect.pptx
@@ -20,6 +20,7 @@
     <p:sldId id="401" r:id="rId14"/>
     <p:sldId id="402" r:id="rId15"/>
     <p:sldId id="403" r:id="rId16"/>
+    <p:sldId id="404" r:id="rId17"/>
   </p:sldIdLst>
   <p:sldSz cx="12192000" cy="6858000"/>
   <p:notesSz cx="6858000" cy="9144000"/>
@@ -7696,6 +7697,95 @@
 </p:sld>
 </file>
 
+<file path=ppt/slides/slide16.xml><?xml version="1.0" encoding="utf-8"?>
+<p:sld xmlns:a="http://schemas.openxmlformats.org/drawingml/2006/main" xmlns:r="http://schemas.openxmlformats.org/officeDocument/2006/relationships" xmlns:p="http://schemas.openxmlformats.org/presentationml/2006/main">
+  <p:cSld>
+    <p:spTree>
+      <p:nvGrpSpPr>
+        <p:cNvPr id="1" name=""/>
+        <p:cNvGrpSpPr/>
+        <p:nvPr/>
+      </p:nvGrpSpPr>
+      <p:grpSpPr>
+        <a:xfrm>
+          <a:off x="0" y="0"/>
+          <a:ext cx="0" cy="0"/>
+          <a:chOff x="0" y="0"/>
+          <a:chExt cx="0" cy="0"/>
+        </a:xfrm>
+      </p:grpSpPr>
+      <p:sp>
+        <p:nvSpPr>
+          <p:cNvPr id="2" name="Title 1"/>
+          <p:cNvSpPr>
+            <a:spLocks noGrp="1"/>
+          </p:cNvSpPr>
+          <p:nvPr>
+            <p:ph type="title"/>
+          </p:nvPr>
+        </p:nvSpPr>
+        <p:spPr/>
+        <p:txBody>
+          <a:bodyPr>
+            <a:normAutofit/>
+          </a:bodyPr>
+          <a:lstStyle/>
+          <a:p>
+            <a:r>
+              <a:rPr lang="en-US" dirty="0" smtClean="0">
+                <a:latin typeface="Tahoma" panose="020B0604030504040204" pitchFamily="34" charset="0"/>
+                <a:ea typeface="Tahoma" panose="020B0604030504040204" pitchFamily="34" charset="0"/>
+                <a:cs typeface="Tahoma" panose="020B0604030504040204" pitchFamily="34" charset="0"/>
+              </a:rPr>
+              <a:t>Cleanup function</a:t>
+            </a:r>
+            <a:endParaRPr lang="en-US" dirty="0">
+              <a:latin typeface="Tahoma" panose="020B0604030504040204" pitchFamily="34" charset="0"/>
+              <a:ea typeface="Tahoma" panose="020B0604030504040204" pitchFamily="34" charset="0"/>
+              <a:cs typeface="Tahoma" panose="020B0604030504040204" pitchFamily="34" charset="0"/>
+            </a:endParaRPr>
+          </a:p>
+        </p:txBody>
+      </p:sp>
+      <p:sp>
+        <p:nvSpPr>
+          <p:cNvPr id="3" name="Content Placeholder 2"/>
+          <p:cNvSpPr>
+            <a:spLocks noGrp="1"/>
+          </p:cNvSpPr>
+          <p:nvPr>
+            <p:ph idx="1"/>
+          </p:nvPr>
+        </p:nvSpPr>
+        <p:spPr/>
+        <p:txBody>
+          <a:bodyPr>
+            <a:normAutofit/>
+          </a:bodyPr>
+          <a:lstStyle/>
+          <a:p>
+            <a:pPr lvl="1"/>
+            <a:endParaRPr lang="vi-VN" sz="1800" dirty="0">
+              <a:latin typeface="Tahoma" panose="020B0604030504040204" pitchFamily="34" charset="0"/>
+              <a:ea typeface="Tahoma" panose="020B0604030504040204" pitchFamily="34" charset="0"/>
+              <a:cs typeface="Tahoma" panose="020B0604030504040204" pitchFamily="34" charset="0"/>
+            </a:endParaRPr>
+          </a:p>
+        </p:txBody>
+      </p:sp>
+    </p:spTree>
+    <p:extLst>
+      <p:ext uri="{BB962C8B-B14F-4D97-AF65-F5344CB8AC3E}">
+        <p14:creationId xmlns:p14="http://schemas.microsoft.com/office/powerpoint/2010/main" val="4286960102"/>
+      </p:ext>
+    </p:extLst>
+  </p:cSld>
+  <p:clrMapOvr>
+    <a:masterClrMapping/>
+  </p:clrMapOvr>
+</p:sld>
+</file>
+
 <file path=ppt/slides/slide2.xml><?xml version="1.0" encoding="utf-8"?>
 <p:sld xmlns:a="http://schemas.openxmlformats.org/drawingml/2006/main" xmlns:r="http://schemas.openxmlformats.org/officeDocument/2006/relationships" xmlns:p="http://schemas.openxmlformats.org/presentationml/2006/main">
   <p:cSld>
@@ -7736,15 +7826,7 @@
                 <a:ea typeface="Tahoma" panose="020B0604030504040204" pitchFamily="34" charset="0"/>
                 <a:cs typeface="Tahoma" panose="020B0604030504040204" pitchFamily="34" charset="0"/>
               </a:rPr>
-              <a:t>useEffect </a:t>
-            </a:r>
-            <a:r>
-              <a:rPr lang="en-US" dirty="0" smtClean="0">
-                <a:latin typeface="Tahoma" panose="020B0604030504040204" pitchFamily="34" charset="0"/>
-                <a:ea typeface="Tahoma" panose="020B0604030504040204" pitchFamily="34" charset="0"/>
-                <a:cs typeface="Tahoma" panose="020B0604030504040204" pitchFamily="34" charset="0"/>
-              </a:rPr>
-              <a:t>là gì?</a:t>
+              <a:t>useEffect là gì?</a:t>
             </a:r>
             <a:endParaRPr lang="en-US" dirty="0">
               <a:latin typeface="Tahoma" panose="020B0604030504040204" pitchFamily="34" charset="0"/>
@@ -7864,15 +7946,7 @@
                 <a:ea typeface="Tahoma" panose="020B0604030504040204" pitchFamily="34" charset="0"/>
                 <a:cs typeface="Tahoma" panose="020B0604030504040204" pitchFamily="34" charset="0"/>
               </a:rPr>
-              <a:t>Site effect </a:t>
-            </a:r>
-            <a:r>
-              <a:rPr lang="en-US" dirty="0" smtClean="0">
-                <a:latin typeface="Tahoma" panose="020B0604030504040204" pitchFamily="34" charset="0"/>
-                <a:ea typeface="Tahoma" panose="020B0604030504040204" pitchFamily="34" charset="0"/>
-                <a:cs typeface="Tahoma" panose="020B0604030504040204" pitchFamily="34" charset="0"/>
-              </a:rPr>
-              <a:t>là gì?</a:t>
+              <a:t>Site effect là gì?</a:t>
             </a:r>
             <a:endParaRPr lang="en-US" dirty="0">
               <a:latin typeface="Tahoma" panose="020B0604030504040204" pitchFamily="34" charset="0"/>
@@ -8135,11 +8209,6 @@
               </a:rPr>
               <a:t>Bên trong useEffect() là một hàm do chúng ta tự viết để xử lý</a:t>
             </a:r>
-            <a:endParaRPr lang="en-US" sz="1800" dirty="0" smtClean="0">
-              <a:latin typeface="Tahoma" panose="020B0604030504040204" pitchFamily="34" charset="0"/>
-              <a:ea typeface="Tahoma" panose="020B0604030504040204" pitchFamily="34" charset="0"/>
-              <a:cs typeface="Tahoma" panose="020B0604030504040204" pitchFamily="34" charset="0"/>
-            </a:endParaRPr>
           </a:p>
           <a:p>
             <a:pPr lvl="2"/>

--- a/15_useEffect.pptx
+++ b/15_useEffect.pptx
@@ -306,7 +306,7 @@
           <a:p>
             <a:fld id="{1160EA64-D806-43AC-9DF2-F8C432F32B4C}" type="datetimeFigureOut">
               <a:rPr lang="en-US" dirty="0"/>
-              <a:t>4/9/2024</a:t>
+              <a:t>5/16/2024</a:t>
             </a:fld>
             <a:endParaRPr lang="en-US" dirty="0"/>
           </a:p>
@@ -472,7 +472,7 @@
           <a:p>
             <a:fld id="{E9F9C37B-1D36-470B-8223-D6C91242EC14}" type="datetimeFigureOut">
               <a:rPr lang="en-US" dirty="0"/>
-              <a:t>4/9/2024</a:t>
+              <a:t>5/16/2024</a:t>
             </a:fld>
             <a:endParaRPr lang="en-US" dirty="0"/>
           </a:p>
@@ -647,7 +647,7 @@
           <a:p>
             <a:fld id="{67C6F52A-A82B-47A2-A83A-8C4C91F2D59F}" type="datetimeFigureOut">
               <a:rPr lang="en-US" dirty="0"/>
-              <a:t>4/9/2024</a:t>
+              <a:t>5/16/2024</a:t>
             </a:fld>
             <a:endParaRPr lang="en-US" dirty="0"/>
           </a:p>
@@ -812,7 +812,7 @@
           <a:p>
             <a:fld id="{F070A7B3-6521-4DCA-87E5-044747A908C1}" type="datetimeFigureOut">
               <a:rPr lang="en-US" dirty="0"/>
-              <a:t>4/9/2024</a:t>
+              <a:t>5/16/2024</a:t>
             </a:fld>
             <a:endParaRPr lang="en-US" dirty="0"/>
           </a:p>
@@ -1076,7 +1076,7 @@
           <a:p>
             <a:fld id="{1160EA64-D806-43AC-9DF2-F8C432F32B4C}" type="datetimeFigureOut">
               <a:rPr lang="en-US" dirty="0"/>
-              <a:t>4/9/2024</a:t>
+              <a:t>5/16/2024</a:t>
             </a:fld>
             <a:endParaRPr lang="en-US" dirty="0"/>
           </a:p>
@@ -1304,7 +1304,7 @@
           <a:p>
             <a:fld id="{AB134690-1557-4C89-A502-4959FE7FAD70}" type="datetimeFigureOut">
               <a:rPr lang="en-US" dirty="0"/>
-              <a:t>4/9/2024</a:t>
+              <a:t>5/16/2024</a:t>
             </a:fld>
             <a:endParaRPr lang="en-US" dirty="0"/>
           </a:p>
@@ -1658,7 +1658,7 @@
           <a:p>
             <a:fld id="{4F7D4976-E339-4826-83B7-FBD03F55ECF8}" type="datetimeFigureOut">
               <a:rPr lang="en-US" dirty="0"/>
-              <a:t>4/9/2024</a:t>
+              <a:t>5/16/2024</a:t>
             </a:fld>
             <a:endParaRPr lang="en-US" dirty="0"/>
           </a:p>
@@ -1794,7 +1794,7 @@
           <a:p>
             <a:fld id="{E1037C31-9E7A-4F99-8774-A0E530DE1A42}" type="datetimeFigureOut">
               <a:rPr lang="en-US" dirty="0"/>
-              <a:t>4/9/2024</a:t>
+              <a:t>5/16/2024</a:t>
             </a:fld>
             <a:endParaRPr lang="en-US" dirty="0"/>
           </a:p>
@@ -1884,7 +1884,7 @@
           <a:p>
             <a:fld id="{C278504F-A551-4DE0-9316-4DCD1D8CC752}" type="datetimeFigureOut">
               <a:rPr lang="en-US" dirty="0"/>
-              <a:t>4/9/2024</a:t>
+              <a:t>5/16/2024</a:t>
             </a:fld>
             <a:endParaRPr lang="en-US" dirty="0"/>
           </a:p>
@@ -2236,7 +2236,7 @@
           <a:p>
             <a:fld id="{D1BE4249-C0D0-4B06-8692-E8BB871AF643}" type="datetimeFigureOut">
               <a:rPr lang="en-US" dirty="0"/>
-              <a:t>4/9/2024</a:t>
+              <a:t>5/16/2024</a:t>
             </a:fld>
             <a:endParaRPr lang="en-US" dirty="0"/>
           </a:p>
@@ -2588,7 +2588,7 @@
           <a:p>
             <a:fld id="{042B0DB6-F5C7-45FB-8CF3-31B45F9C2DAC}" type="datetimeFigureOut">
               <a:rPr lang="en-US" dirty="0"/>
-              <a:t>4/9/2024</a:t>
+              <a:t>5/16/2024</a:t>
             </a:fld>
             <a:endParaRPr lang="en-US" dirty="0"/>
           </a:p>
@@ -2824,7 +2824,7 @@
           <a:p>
             <a:fld id="{1160EA64-D806-43AC-9DF2-F8C432F32B4C}" type="datetimeFigureOut">
               <a:rPr lang="en-US" dirty="0"/>
-              <a:t>4/9/2024</a:t>
+              <a:t>5/16/2024</a:t>
             </a:fld>
             <a:endParaRPr lang="en-US" dirty="0"/>
           </a:p>
@@ -12964,40 +12964,53 @@
           <a:p>
             <a:pPr lvl="1"/>
             <a:r>
-              <a:rPr lang="en-US" sz="1800" smtClean="0">
+              <a:rPr lang="en-US" sz="1800" dirty="0" smtClean="0">
                 <a:latin typeface="Tahoma" panose="020B0604030504040204" pitchFamily="34" charset="0"/>
                 <a:ea typeface="Tahoma" panose="020B0604030504040204" pitchFamily="34" charset="0"/>
                 <a:cs typeface="Tahoma" panose="020B0604030504040204" pitchFamily="34" charset="0"/>
               </a:rPr>
-              <a:t>Nó là một hàm dọn dẹp và luôn được gọi trước khi component unmounted</a:t>
-            </a:r>
-          </a:p>
-          <a:p>
-            <a:pPr lvl="1"/>
-            <a:r>
-              <a:rPr lang="en-US" sz="1800" smtClean="0">
+              <a:t>Nó là một hàm dọn dẹp và luôn được gọi trước khi component </a:t>
+            </a:r>
+            <a:r>
+              <a:rPr lang="en-US" sz="1800" dirty="0" smtClean="0">
                 <a:latin typeface="Tahoma" panose="020B0604030504040204" pitchFamily="34" charset="0"/>
                 <a:ea typeface="Tahoma" panose="020B0604030504040204" pitchFamily="34" charset="0"/>
                 <a:cs typeface="Tahoma" panose="020B0604030504040204" pitchFamily="34" charset="0"/>
               </a:rPr>
-              <a:t>Cách sử dụng:</a:t>
-            </a:r>
-          </a:p>
-          <a:p>
-            <a:pPr lvl="2"/>
-            <a:r>
-              <a:rPr lang="en-US" sz="1800" smtClean="0">
+              <a:t>unmounted và trước khi callback trong useEffect được thực thi</a:t>
+            </a:r>
+            <a:endParaRPr lang="en-US" sz="1800" dirty="0" smtClean="0">
+              <a:latin typeface="Tahoma" panose="020B0604030504040204" pitchFamily="34" charset="0"/>
+              <a:ea typeface="Tahoma" panose="020B0604030504040204" pitchFamily="34" charset="0"/>
+              <a:cs typeface="Tahoma" panose="020B0604030504040204" pitchFamily="34" charset="0"/>
+            </a:endParaRPr>
+          </a:p>
+          <a:p>
+            <a:pPr lvl="1"/>
+            <a:r>
+              <a:rPr lang="en-US" sz="1800" dirty="0" smtClean="0">
                 <a:latin typeface="Tahoma" panose="020B0604030504040204" pitchFamily="34" charset="0"/>
                 <a:ea typeface="Tahoma" panose="020B0604030504040204" pitchFamily="34" charset="0"/>
                 <a:cs typeface="Tahoma" panose="020B0604030504040204" pitchFamily="34" charset="0"/>
               </a:rPr>
+              <a:t>Cách sử dụng:</a:t>
+            </a:r>
+          </a:p>
+          <a:p>
+            <a:pPr lvl="2"/>
+            <a:r>
+              <a:rPr lang="en-US" sz="1800" dirty="0" smtClean="0">
+                <a:latin typeface="Tahoma" panose="020B0604030504040204" pitchFamily="34" charset="0"/>
+                <a:ea typeface="Tahoma" panose="020B0604030504040204" pitchFamily="34" charset="0"/>
+                <a:cs typeface="Tahoma" panose="020B0604030504040204" pitchFamily="34" charset="0"/>
+              </a:rPr>
               <a:t>Trong callback của useEffect chúng ta có thể return ra 1 hàm, và hàm đó được gọi là cleanup function</a:t>
             </a:r>
           </a:p>
           <a:p>
             <a:pPr lvl="2"/>
             <a:r>
-              <a:rPr lang="en-US" sz="1800" smtClean="0">
+              <a:rPr lang="en-US" sz="1800" dirty="0" smtClean="0">
                 <a:latin typeface="Tahoma" panose="020B0604030504040204" pitchFamily="34" charset="0"/>
                 <a:ea typeface="Tahoma" panose="020B0604030504040204" pitchFamily="34" charset="0"/>
                 <a:cs typeface="Tahoma" panose="020B0604030504040204" pitchFamily="34" charset="0"/>
@@ -20326,8 +20339,21 @@
                 <a:ea typeface="Tahoma" panose="020B0604030504040204" pitchFamily="34" charset="0"/>
                 <a:cs typeface="Tahoma" panose="020B0604030504040204" pitchFamily="34" charset="0"/>
               </a:rPr>
-              <a:t>Xử lý HTTP request, response</a:t>
-            </a:r>
+              <a:t>Xử lý </a:t>
+            </a:r>
+            <a:r>
+              <a:rPr lang="en-US" sz="1800" dirty="0" smtClean="0">
+                <a:latin typeface="Tahoma" panose="020B0604030504040204" pitchFamily="34" charset="0"/>
+                <a:ea typeface="Tahoma" panose="020B0604030504040204" pitchFamily="34" charset="0"/>
+                <a:cs typeface="Tahoma" panose="020B0604030504040204" pitchFamily="34" charset="0"/>
+              </a:rPr>
+              <a:t>gọi API</a:t>
+            </a:r>
+            <a:endParaRPr lang="vi-VN" sz="1800" dirty="0">
+              <a:latin typeface="Tahoma" panose="020B0604030504040204" pitchFamily="34" charset="0"/>
+              <a:ea typeface="Tahoma" panose="020B0604030504040204" pitchFamily="34" charset="0"/>
+              <a:cs typeface="Tahoma" panose="020B0604030504040204" pitchFamily="34" charset="0"/>
+            </a:endParaRPr>
           </a:p>
           <a:p>
             <a:pPr lvl="1"/>
@@ -20337,8 +20363,37 @@
                 <a:ea typeface="Tahoma" panose="020B0604030504040204" pitchFamily="34" charset="0"/>
                 <a:cs typeface="Tahoma" panose="020B0604030504040204" pitchFamily="34" charset="0"/>
               </a:rPr>
-              <a:t>Tương tác với Local Storage, Session Storage.</a:t>
-            </a:r>
+              <a:t>Tương tác với Local Storage, Session </a:t>
+            </a:r>
+            <a:r>
+              <a:rPr lang="vi-VN" sz="1800" dirty="0" smtClean="0">
+                <a:latin typeface="Tahoma" panose="020B0604030504040204" pitchFamily="34" charset="0"/>
+                <a:ea typeface="Tahoma" panose="020B0604030504040204" pitchFamily="34" charset="0"/>
+                <a:cs typeface="Tahoma" panose="020B0604030504040204" pitchFamily="34" charset="0"/>
+              </a:rPr>
+              <a:t>Storage</a:t>
+            </a:r>
+            <a:endParaRPr lang="en-US" sz="1800" dirty="0" smtClean="0">
+              <a:latin typeface="Tahoma" panose="020B0604030504040204" pitchFamily="34" charset="0"/>
+              <a:ea typeface="Tahoma" panose="020B0604030504040204" pitchFamily="34" charset="0"/>
+              <a:cs typeface="Tahoma" panose="020B0604030504040204" pitchFamily="34" charset="0"/>
+            </a:endParaRPr>
+          </a:p>
+          <a:p>
+            <a:pPr lvl="1"/>
+            <a:r>
+              <a:rPr lang="en-US" sz="1800" dirty="0" smtClean="0">
+                <a:latin typeface="Tahoma" panose="020B0604030504040204" pitchFamily="34" charset="0"/>
+                <a:ea typeface="Tahoma" panose="020B0604030504040204" pitchFamily="34" charset="0"/>
+                <a:cs typeface="Tahoma" panose="020B0604030504040204" pitchFamily="34" charset="0"/>
+              </a:rPr>
+              <a:t>Xử lý các event listener (click, dbclick, scroll...)</a:t>
+            </a:r>
+            <a:endParaRPr lang="vi-VN" sz="1800" dirty="0">
+              <a:latin typeface="Tahoma" panose="020B0604030504040204" pitchFamily="34" charset="0"/>
+              <a:ea typeface="Tahoma" panose="020B0604030504040204" pitchFamily="34" charset="0"/>
+              <a:cs typeface="Tahoma" panose="020B0604030504040204" pitchFamily="34" charset="0"/>
+            </a:endParaRPr>
           </a:p>
           <a:p>
             <a:pPr lvl="1"/>
@@ -20348,29 +20403,39 @@
                 <a:ea typeface="Tahoma" panose="020B0604030504040204" pitchFamily="34" charset="0"/>
                 <a:cs typeface="Tahoma" panose="020B0604030504040204" pitchFamily="34" charset="0"/>
               </a:rPr>
-              <a:t>Xử lý timer (setTimeout, setInterval)</a:t>
-            </a:r>
+              <a:t>Xử lý timer (setTimeout, setInterval</a:t>
+            </a:r>
+            <a:r>
+              <a:rPr lang="vi-VN" sz="1800" dirty="0" smtClean="0">
+                <a:latin typeface="Tahoma" panose="020B0604030504040204" pitchFamily="34" charset="0"/>
+                <a:ea typeface="Tahoma" panose="020B0604030504040204" pitchFamily="34" charset="0"/>
+                <a:cs typeface="Tahoma" panose="020B0604030504040204" pitchFamily="34" charset="0"/>
+              </a:rPr>
+              <a:t>)</a:t>
+            </a:r>
+            <a:endParaRPr lang="en-US" sz="1800" dirty="0" smtClean="0">
+              <a:latin typeface="Tahoma" panose="020B0604030504040204" pitchFamily="34" charset="0"/>
+              <a:ea typeface="Tahoma" panose="020B0604030504040204" pitchFamily="34" charset="0"/>
+              <a:cs typeface="Tahoma" panose="020B0604030504040204" pitchFamily="34" charset="0"/>
+            </a:endParaRPr>
           </a:p>
           <a:p>
             <a:pPr lvl="1"/>
+            <a:r>
+              <a:rPr lang="vi-VN" sz="1800" dirty="0" smtClean="0">
+                <a:latin typeface="Tahoma" panose="020B0604030504040204" pitchFamily="34" charset="0"/>
+                <a:ea typeface="Tahoma" panose="020B0604030504040204" pitchFamily="34" charset="0"/>
+                <a:cs typeface="Tahoma" panose="020B0604030504040204" pitchFamily="34" charset="0"/>
+              </a:rPr>
+              <a:t> Tương </a:t>
+            </a:r>
             <a:r>
               <a:rPr lang="vi-VN" sz="1800" dirty="0">
                 <a:latin typeface="Tahoma" panose="020B0604030504040204" pitchFamily="34" charset="0"/>
                 <a:ea typeface="Tahoma" panose="020B0604030504040204" pitchFamily="34" charset="0"/>
                 <a:cs typeface="Tahoma" panose="020B0604030504040204" pitchFamily="34" charset="0"/>
               </a:rPr>
-              <a:t>Thực hiện subscribes / unsubscribes các dịch vụ bên ngoài.</a:t>
-            </a:r>
-          </a:p>
-          <a:p>
-            <a:pPr lvl="1"/>
-            <a:r>
-              <a:rPr lang="vi-VN" sz="1800" dirty="0">
-                <a:latin typeface="Tahoma" panose="020B0604030504040204" pitchFamily="34" charset="0"/>
-                <a:ea typeface="Tahoma" panose="020B0604030504040204" pitchFamily="34" charset="0"/>
-                <a:cs typeface="Tahoma" panose="020B0604030504040204" pitchFamily="34" charset="0"/>
-              </a:rPr>
-              <a:t>Tương tác trực tiếp với </a:t>
+              <a:t>tác trực tiếp với </a:t>
             </a:r>
             <a:r>
               <a:rPr lang="vi-VN" sz="1800" dirty="0" smtClean="0">
